--- a/Pypsm.pptx
+++ b/Pypsm.pptx
@@ -5512,25 +5512,83 @@
             <a:pPr lvl="1"/>
             <a:r>
               <a:rPr lang="en-US" sz="1800" dirty="0"/>
-              <a:t>Modularity also helps</a:t>
-            </a:r>
+              <a:t>Modularity also helps </a:t>
+            </a:r>
+          </a:p>
+          <a:p>
+            <a:pPr lvl="1"/>
+            <a:r>
+              <a:rPr lang="en-US" sz="1800" dirty="0"/>
+              <a:t>Separate class for matching allows for easy to continue following separation of concerns on </a:t>
+            </a:r>
+            <a:r>
+              <a:rPr lang="en-US" sz="1800"/>
+              <a:t>future iterations</a:t>
+            </a:r>
+            <a:endParaRPr lang="en-US" sz="1800" dirty="0"/>
           </a:p>
           <a:p>
             <a:r>
               <a:rPr lang="en-US" sz="2000" dirty="0"/>
-              <a:t>Information hiding through private functions and </a:t>
-            </a:r>
-            <a:r>
-              <a:rPr lang="en-US" sz="2000"/>
-              <a:t>hidden variables</a:t>
-            </a:r>
+              <a:t>Information hiding through private functions and hidden variables</a:t>
+            </a:r>
+          </a:p>
+          <a:p>
+            <a:pPr lvl="1"/>
+            <a:r>
+              <a:rPr lang="en-US" sz="1800" dirty="0"/>
+              <a:t>EX: __</a:t>
+            </a:r>
+            <a:r>
+              <a:rPr lang="en-US" sz="1800" dirty="0" err="1"/>
+              <a:t>create_logistic_regression</a:t>
+            </a:r>
+            <a:r>
+              <a:rPr lang="en-US" sz="1800" dirty="0"/>
+              <a:t>, __match</a:t>
+            </a:r>
+          </a:p>
+          <a:p>
+            <a:r>
+              <a:rPr lang="en-US" sz="2000" dirty="0"/>
+              <a:t>Simple interface with only two required inputs for increased accessibility to users</a:t>
+            </a:r>
+          </a:p>
+          <a:p>
             <a:endParaRPr lang="en-US" sz="2000" dirty="0"/>
           </a:p>
-          <a:p>
-            <a:endParaRPr lang="en-US" sz="2000" dirty="0"/>
-          </a:p>
-        </p:txBody>
-      </p:sp>
+        </p:txBody>
+      </p:sp>
+      <p:pic>
+        <p:nvPicPr>
+          <p:cNvPr id="9" name="Picture 8">
+            <a:extLst>
+              <a:ext uri="{FF2B5EF4-FFF2-40B4-BE49-F238E27FC236}">
+                <a16:creationId xmlns:a16="http://schemas.microsoft.com/office/drawing/2014/main" id="{A6E7EE23-7827-4553-9C87-136FE7DEE23B}"/>
+              </a:ext>
+            </a:extLst>
+          </p:cNvPr>
+          <p:cNvPicPr>
+            <a:picLocks noChangeAspect="1"/>
+          </p:cNvPicPr>
+          <p:nvPr/>
+        </p:nvPicPr>
+        <p:blipFill>
+          <a:blip r:embed="rId2"/>
+          <a:stretch>
+            <a:fillRect/>
+          </a:stretch>
+        </p:blipFill>
+        <p:spPr>
+          <a:xfrm>
+            <a:off x="2815620" y="4575178"/>
+            <a:ext cx="6560760" cy="349747"/>
+          </a:xfrm>
+          <a:prstGeom prst="rect">
+            <a:avLst/>
+          </a:prstGeom>
+        </p:spPr>
+      </p:pic>
     </p:spTree>
     <p:extLst>
       <p:ext uri="{BB962C8B-B14F-4D97-AF65-F5344CB8AC3E}">
